--- a/Foundations/docs/Presentation.pptx
+++ b/Foundations/docs/Presentation.pptx
@@ -29618,53 +29618,7 @@
       </p:grpSp>
       <p:sp>
         <p:nvSpPr>
-          <p:cNvPr name="Freeform 14" id="14"/>
-          <p:cNvSpPr/>
-          <p:nvPr/>
-        </p:nvSpPr>
-        <p:spPr>
-          <a:xfrm flipH="false" flipV="false" rot="0">
-            <a:off x="4366158" y="3445930"/>
-            <a:ext cx="9359489" cy="1890190"/>
-          </a:xfrm>
-          <a:custGeom>
-            <a:avLst/>
-            <a:gdLst/>
-            <a:ahLst/>
-            <a:cxnLst/>
-            <a:rect r="r" b="b" t="t" l="l"/>
-            <a:pathLst>
-              <a:path h="1890190" w="9359489">
-                <a:moveTo>
-                  <a:pt x="0" y="0"/>
-                </a:moveTo>
-                <a:lnTo>
-                  <a:pt x="9359490" y="0"/>
-                </a:lnTo>
-                <a:lnTo>
-                  <a:pt x="9359490" y="1890190"/>
-                </a:lnTo>
-                <a:lnTo>
-                  <a:pt x="0" y="1890190"/>
-                </a:lnTo>
-                <a:lnTo>
-                  <a:pt x="0" y="0"/>
-                </a:lnTo>
-                <a:close/>
-              </a:path>
-            </a:pathLst>
-          </a:custGeom>
-          <a:blipFill>
-            <a:blip r:embed="rId9"/>
-            <a:stretch>
-              <a:fillRect l="0" t="0" r="0" b="0"/>
-            </a:stretch>
-          </a:blipFill>
-        </p:spPr>
-      </p:sp>
-      <p:sp>
-        <p:nvSpPr>
-          <p:cNvPr name="TextBox 15" id="15"/>
+          <p:cNvPr name="TextBox 14" id="14"/>
           <p:cNvSpPr txBox="true"/>
           <p:nvPr/>
         </p:nvSpPr>
@@ -29705,7 +29659,7 @@
       </p:sp>
       <p:sp>
         <p:nvSpPr>
-          <p:cNvPr name="TextBox 16" id="16"/>
+          <p:cNvPr name="TextBox 15" id="15"/>
           <p:cNvSpPr txBox="true"/>
           <p:nvPr/>
         </p:nvSpPr>
@@ -29751,14 +29705,50 @@
                 <a:cs typeface="Arimo"/>
                 <a:sym typeface="Arimo"/>
               </a:rPr>
-              <a:t> Treat the constraint $\alpha$ as a probabilistic event </a:t>
+              <a:t> Treat the </a:t>
+            </a:r>
+            <a:r>
+              <a:rPr lang="en-US" b="true" sz="3199">
+                <a:solidFill>
+                  <a:srgbClr val="FFFFFF"/>
+                </a:solidFill>
+                <a:latin typeface="Arimo Bold"/>
+                <a:ea typeface="Arimo Bold"/>
+                <a:cs typeface="Arimo Bold"/>
+                <a:sym typeface="Arimo Bold"/>
+              </a:rPr>
+              <a:t>constraint α</a:t>
+            </a:r>
+            <a:r>
+              <a:rPr lang="en-US" sz="3199">
+                <a:solidFill>
+                  <a:srgbClr val="FFFFFF"/>
+                </a:solidFill>
+                <a:latin typeface="Arimo"/>
+                <a:ea typeface="Arimo"/>
+                <a:cs typeface="Arimo"/>
+                <a:sym typeface="Arimo"/>
+              </a:rPr>
+              <a:t> as a </a:t>
+            </a:r>
+            <a:r>
+              <a:rPr lang="en-US" b="true" sz="3199">
+                <a:solidFill>
+                  <a:srgbClr val="FFFFFF"/>
+                </a:solidFill>
+                <a:latin typeface="Arimo Bold"/>
+                <a:ea typeface="Arimo Bold"/>
+                <a:cs typeface="Arimo Bold"/>
+                <a:sym typeface="Arimo Bold"/>
+              </a:rPr>
+              <a:t>probabilistic event </a:t>
             </a:r>
           </a:p>
         </p:txBody>
       </p:sp>
       <p:sp>
         <p:nvSpPr>
-          <p:cNvPr name="TextBox 17" id="17"/>
+          <p:cNvPr name="TextBox 16" id="16"/>
           <p:cNvSpPr txBox="true"/>
           <p:nvPr/>
         </p:nvSpPr>
@@ -29799,7 +29789,7 @@
       </p:sp>
       <p:sp>
         <p:nvSpPr>
-          <p:cNvPr name="TextBox 18" id="18"/>
+          <p:cNvPr name="TextBox 17" id="17"/>
           <p:cNvSpPr txBox="true"/>
           <p:nvPr/>
         </p:nvSpPr>
@@ -29970,7 +29960,7 @@
       </p:sp>
       <p:sp>
         <p:nvSpPr>
-          <p:cNvPr name="TextBox 19" id="19"/>
+          <p:cNvPr name="TextBox 18" id="18"/>
           <p:cNvSpPr txBox="true"/>
           <p:nvPr/>
         </p:nvSpPr>
@@ -30017,6 +30007,47 @@
                 <a:sym typeface="Arimo"/>
               </a:rPr>
               <a:t>Minimize the negative log-probability of generating a state consistent with α</a:t>
+            </a:r>
+          </a:p>
+        </p:txBody>
+      </p:sp>
+      <p:sp>
+        <p:nvSpPr>
+          <p:cNvPr name="TextBox 19" id="19"/>
+          <p:cNvSpPr txBox="true"/>
+          <p:nvPr/>
+        </p:nvSpPr>
+        <p:spPr>
+          <a:xfrm rot="0">
+            <a:off x="4055567" y="3993872"/>
+            <a:ext cx="11296703" cy="771525"/>
+          </a:xfrm>
+          <a:prstGeom prst="rect">
+            <a:avLst/>
+          </a:prstGeom>
+        </p:spPr>
+        <p:txBody>
+          <a:bodyPr anchor="t" rtlCol="false" tIns="0" lIns="0" bIns="0" rIns="0">
+            <a:spAutoFit/>
+          </a:bodyPr>
+          <a:lstStyle/>
+          <a:p>
+            <a:pPr algn="l">
+              <a:lnSpc>
+                <a:spcPts val="5999"/>
+              </a:lnSpc>
+            </a:pPr>
+            <a:r>
+              <a:rPr lang="en-US" b="true" sz="4999">
+                <a:solidFill>
+                  <a:srgbClr val="FFFFFF"/>
+                </a:solidFill>
+                <a:latin typeface="Arimo Bold"/>
+                <a:ea typeface="Arimo Bold"/>
+                <a:cs typeface="Arimo Bold"/>
+                <a:sym typeface="Arimo Bold"/>
+              </a:rPr>
+              <a:t>ℒₛₑₘ(𝐩) ∝ −log ∑_{𝐱 ⊨ α} P(𝐱∣𝐩)</a:t>
             </a:r>
           </a:p>
         </p:txBody>
